--- a/presentation.pptx
+++ b/presentation.pptx
@@ -11277,23 +11277,7 @@
                 <a:cs typeface="Arial"/>
                 <a:sym typeface="Arial"/>
               </a:rPr>
-              <a:t>Histogram </a:t>
-            </a:r>
-            <a:r>
-              <a:rPr lang="en-US" sz="4000" b="1" i="0" u="none" strike="noStrike" cap="none" dirty="0" smtClean="0">
-                <a:ea typeface="Arial"/>
-                <a:cs typeface="Arial"/>
-                <a:sym typeface="Arial"/>
-              </a:rPr>
-              <a:t>Of </a:t>
-            </a:r>
-            <a:r>
-              <a:rPr lang="en-US" sz="4000" b="1" i="0" u="none" strike="noStrike" cap="none" dirty="0" smtClean="0">
-                <a:ea typeface="Arial"/>
-                <a:cs typeface="Arial"/>
-                <a:sym typeface="Arial"/>
-              </a:rPr>
-              <a:t>Oriented Gradients</a:t>
+              <a:t>Histogram Of Oriented Gradients</a:t>
             </a:r>
             <a:endParaRPr lang="en-US" sz="4000" b="1" i="0" u="none" strike="noStrike" cap="none" dirty="0">
               <a:ea typeface="Arial"/>
@@ -26706,11 +26690,25 @@
               <a:buSzPct val="100000"/>
             </a:pPr>
             <a:r>
+              <a:rPr lang="en-US" sz="3600" dirty="0">
+                <a:latin typeface="Calibri" panose="020F0502020204030204" pitchFamily="34" charset="0"/>
+                <a:cs typeface="Calibri" panose="020F0502020204030204" pitchFamily="34" charset="0"/>
+              </a:rPr>
+              <a:t>N</a:t>
+            </a:r>
+            <a:r>
+              <a:rPr lang="vi-VN" sz="3600" dirty="0" smtClean="0">
+                <a:latin typeface="Calibri" panose="020F0502020204030204" pitchFamily="34" charset="0"/>
+                <a:cs typeface="Calibri" panose="020F0502020204030204" pitchFamily="34" charset="0"/>
+              </a:rPr>
+              <a:t>hiều </a:t>
+            </a:r>
+            <a:r>
               <a:rPr lang="vi-VN" sz="3600" dirty="0">
                 <a:latin typeface="Calibri" panose="020F0502020204030204" pitchFamily="34" charset="0"/>
                 <a:cs typeface="Calibri" panose="020F0502020204030204" pitchFamily="34" charset="0"/>
               </a:rPr>
-              <a:t>Có nhiều ứng dụng hữu </a:t>
+              <a:t>ứng dụng hữu </a:t>
             </a:r>
             <a:r>
               <a:rPr lang="vi-VN" sz="3600" dirty="0" smtClean="0">
@@ -30776,16 +30774,22 @@
                 <a:latin typeface="+mj-lt"/>
                 <a:cs typeface="Arial" panose="020B0604020202020204" pitchFamily="34" charset="0"/>
               </a:rPr>
-              <a:t> 4.0, Internet of Things</a:t>
-            </a:r>
-          </a:p>
-          <a:p>
-            <a:pPr algn="just">
-              <a:spcBef>
-                <a:spcPts val="460"/>
-              </a:spcBef>
-              <a:buSzPct val="100000"/>
-            </a:pPr>
+              <a:t> 4.0, </a:t>
+            </a:r>
+            <a:r>
+              <a:rPr lang="en-US" sz="3600" i="0" u="none" strike="noStrike" cap="none" dirty="0" smtClean="0">
+                <a:latin typeface="+mj-lt"/>
+                <a:cs typeface="Arial" panose="020B0604020202020204" pitchFamily="34" charset="0"/>
+              </a:rPr>
+              <a:t>AI, </a:t>
+            </a:r>
+            <a:r>
+              <a:rPr lang="en-US" sz="3600" i="0" u="none" strike="noStrike" cap="none" dirty="0" err="1" smtClean="0">
+                <a:latin typeface="+mj-lt"/>
+                <a:cs typeface="Arial" panose="020B0604020202020204" pitchFamily="34" charset="0"/>
+              </a:rPr>
+              <a:t>IoT</a:t>
+            </a:r>
             <a:endParaRPr lang="en-US" sz="3600" i="0" u="none" strike="noStrike" cap="none" dirty="0">
               <a:latin typeface="+mj-lt"/>
               <a:cs typeface="Arial" panose="020B0604020202020204" pitchFamily="34" charset="0"/>
@@ -31298,52 +31302,25 @@
               <a:buSzPct val="100000"/>
             </a:pPr>
             <a:r>
-              <a:rPr lang="en-US" sz="3600" b="0" i="0" u="none" strike="noStrike" cap="none" dirty="0" err="1">
-                <a:latin typeface="+mj-lt"/>
-                <a:ea typeface="Arial"/>
-                <a:cs typeface="Arial" panose="020B0604020202020204" pitchFamily="34" charset="0"/>
-                <a:sym typeface="Arial"/>
-              </a:rPr>
-              <a:t>Tìm</a:t>
-            </a:r>
-            <a:r>
-              <a:rPr lang="en-US" sz="3600" b="0" i="0" u="none" strike="noStrike" cap="none" dirty="0">
-                <a:latin typeface="+mj-lt"/>
-                <a:ea typeface="Arial"/>
-                <a:cs typeface="Arial" panose="020B0604020202020204" pitchFamily="34" charset="0"/>
-                <a:sym typeface="Arial"/>
-              </a:rPr>
-              <a:t> </a:t>
-            </a:r>
-            <a:r>
-              <a:rPr lang="en-US" sz="3600" b="0" i="0" u="none" strike="noStrike" cap="none" dirty="0" err="1">
-                <a:latin typeface="+mj-lt"/>
-                <a:ea typeface="Arial"/>
-                <a:cs typeface="Arial" panose="020B0604020202020204" pitchFamily="34" charset="0"/>
-                <a:sym typeface="Arial"/>
-              </a:rPr>
-              <a:t>hiểu</a:t>
-            </a:r>
-            <a:r>
-              <a:rPr lang="en-US" sz="3600" b="0" i="0" u="none" strike="noStrike" cap="none" dirty="0">
-                <a:latin typeface="+mj-lt"/>
-                <a:ea typeface="Arial"/>
-                <a:cs typeface="Arial" panose="020B0604020202020204" pitchFamily="34" charset="0"/>
-                <a:sym typeface="Arial"/>
-              </a:rPr>
-              <a:t> </a:t>
-            </a:r>
-            <a:r>
-              <a:rPr lang="en-US" sz="3600" b="0" i="0" u="none" strike="noStrike" cap="none" dirty="0" err="1">
-                <a:latin typeface="+mj-lt"/>
-                <a:ea typeface="Arial"/>
-                <a:cs typeface="Arial" panose="020B0604020202020204" pitchFamily="34" charset="0"/>
-                <a:sym typeface="Arial"/>
-              </a:rPr>
-              <a:t>các</a:t>
-            </a:r>
-            <a:r>
-              <a:rPr lang="en-US" sz="3600" b="0" i="0" u="none" strike="noStrike" cap="none" dirty="0">
+              <a:rPr lang="en-US" sz="3600" dirty="0" err="1">
+                <a:latin typeface="+mj-lt"/>
+                <a:ea typeface="Arial"/>
+                <a:cs typeface="Arial" panose="020B0604020202020204" pitchFamily="34" charset="0"/>
+                <a:sym typeface="Arial"/>
+              </a:rPr>
+              <a:t>C</a:t>
+            </a:r>
+            <a:r>
+              <a:rPr lang="en-US" sz="3600" b="0" i="0" u="none" strike="noStrike" cap="none" dirty="0" err="1" smtClean="0">
+                <a:latin typeface="+mj-lt"/>
+                <a:ea typeface="Arial"/>
+                <a:cs typeface="Arial" panose="020B0604020202020204" pitchFamily="34" charset="0"/>
+                <a:sym typeface="Arial"/>
+              </a:rPr>
+              <a:t>ác</a:t>
+            </a:r>
+            <a:r>
+              <a:rPr lang="en-US" sz="3600" b="0" i="0" u="none" strike="noStrike" cap="none" dirty="0" smtClean="0">
                 <a:latin typeface="+mj-lt"/>
                 <a:ea typeface="Arial"/>
                 <a:cs typeface="Arial" panose="020B0604020202020204" pitchFamily="34" charset="0"/>
@@ -31483,47 +31460,15 @@
               <a:buSzPct val="100000"/>
             </a:pPr>
             <a:r>
-              <a:rPr lang="en-US" sz="3600" dirty="0" err="1">
-                <a:ea typeface="Arial"/>
-                <a:cs typeface="Arial" panose="020B0604020202020204" pitchFamily="34" charset="0"/>
-                <a:sym typeface="Arial"/>
-              </a:rPr>
-              <a:t>Tìm</a:t>
-            </a:r>
-            <a:r>
-              <a:rPr lang="en-US" sz="3600" dirty="0">
-                <a:ea typeface="Arial"/>
-                <a:cs typeface="Arial" panose="020B0604020202020204" pitchFamily="34" charset="0"/>
-                <a:sym typeface="Arial"/>
-              </a:rPr>
-              <a:t> </a:t>
-            </a:r>
-            <a:r>
-              <a:rPr lang="en-US" sz="3600" dirty="0" err="1">
-                <a:ea typeface="Arial"/>
-                <a:cs typeface="Arial" panose="020B0604020202020204" pitchFamily="34" charset="0"/>
-                <a:sym typeface="Arial"/>
-              </a:rPr>
-              <a:t>hiểu</a:t>
-            </a:r>
-            <a:r>
-              <a:rPr lang="en-US" sz="3600" dirty="0">
-                <a:ea typeface="Arial"/>
-                <a:cs typeface="Arial" panose="020B0604020202020204" pitchFamily="34" charset="0"/>
-                <a:sym typeface="Arial"/>
-              </a:rPr>
-              <a:t> </a:t>
-            </a:r>
-            <a:r>
-              <a:rPr lang="en-US" sz="3600" dirty="0" err="1">
-                <a:ea typeface="Arial"/>
-                <a:cs typeface="Arial" panose="020B0604020202020204" pitchFamily="34" charset="0"/>
-                <a:sym typeface="Arial"/>
-              </a:rPr>
-              <a:t>các</a:t>
-            </a:r>
-            <a:r>
-              <a:rPr lang="en-US" sz="3600" dirty="0">
+              <a:rPr lang="en-US" sz="3600" dirty="0" err="1" smtClean="0">
+                <a:ea typeface="Arial"/>
+                <a:cs typeface="Arial" panose="020B0604020202020204" pitchFamily="34" charset="0"/>
+                <a:sym typeface="Arial"/>
+              </a:rPr>
+              <a:t>Các</a:t>
+            </a:r>
+            <a:r>
+              <a:rPr lang="en-US" sz="3600" dirty="0" smtClean="0">
                 <a:ea typeface="Arial"/>
                 <a:cs typeface="Arial" panose="020B0604020202020204" pitchFamily="34" charset="0"/>
                 <a:sym typeface="Arial"/>
@@ -31719,49 +31664,13 @@
               <a:buSzPct val="100000"/>
             </a:pPr>
             <a:r>
-              <a:rPr lang="en-US" sz="3600" b="0" i="0" u="none" strike="noStrike" cap="none" dirty="0" err="1">
-                <a:latin typeface="+mj-lt"/>
-                <a:ea typeface="Arial"/>
-                <a:cs typeface="Arial" panose="020B0604020202020204" pitchFamily="34" charset="0"/>
-                <a:sym typeface="Arial"/>
-              </a:rPr>
-              <a:t>Tìm</a:t>
-            </a:r>
-            <a:r>
-              <a:rPr lang="en-US" sz="3600" b="0" i="0" u="none" strike="noStrike" cap="none" dirty="0">
-                <a:latin typeface="+mj-lt"/>
-                <a:ea typeface="Arial"/>
-                <a:cs typeface="Arial" panose="020B0604020202020204" pitchFamily="34" charset="0"/>
-                <a:sym typeface="Arial"/>
-              </a:rPr>
-              <a:t> </a:t>
-            </a:r>
-            <a:r>
-              <a:rPr lang="en-US" sz="3600" b="0" i="0" u="none" strike="noStrike" cap="none" dirty="0" err="1">
-                <a:latin typeface="+mj-lt"/>
-                <a:ea typeface="Arial"/>
-                <a:cs typeface="Arial" panose="020B0604020202020204" pitchFamily="34" charset="0"/>
-                <a:sym typeface="Arial"/>
-              </a:rPr>
-              <a:t>hiểu</a:t>
-            </a:r>
-            <a:r>
-              <a:rPr lang="en-US" sz="3600" b="0" i="0" u="none" strike="noStrike" cap="none" dirty="0">
-                <a:latin typeface="+mj-lt"/>
-                <a:ea typeface="Arial"/>
-                <a:cs typeface="Arial" panose="020B0604020202020204" pitchFamily="34" charset="0"/>
-                <a:sym typeface="Arial"/>
-              </a:rPr>
-              <a:t> </a:t>
-            </a:r>
-            <a:r>
               <a:rPr lang="en-US" sz="3600" b="0" i="0" u="none" strike="noStrike" cap="none" dirty="0" err="1" smtClean="0">
                 <a:latin typeface="+mj-lt"/>
                 <a:ea typeface="Arial"/>
                 <a:cs typeface="Arial" panose="020B0604020202020204" pitchFamily="34" charset="0"/>
                 <a:sym typeface="Arial"/>
               </a:rPr>
-              <a:t>các</a:t>
+              <a:t>Các</a:t>
             </a:r>
             <a:r>
               <a:rPr lang="en-US" sz="3600" b="0" i="0" u="none" strike="noStrike" cap="none" dirty="0" smtClean="0">
